--- a/GSOE9758/ASS/Background.pptx
+++ b/GSOE9758/ASS/Background.pptx
@@ -200,7 +200,7 @@
           <a:p>
             <a:fld id="{07D7737F-1853-48A2-8568-57E08ACECA82}" type="datetimeFigureOut">
               <a:rPr lang="zh-CN" altLang="en-US" smtClean="0"/>
-              <a:t>2022/3/5</a:t>
+              <a:t>2022/3/10</a:t>
             </a:fld>
             <a:endParaRPr lang="zh-CN" altLang="en-US"/>
           </a:p>
@@ -712,7 +712,7 @@
           <a:p>
             <a:fld id="{404F95DB-ED00-476B-9AEF-77AD202CE90D}" type="datetimeFigureOut">
               <a:rPr lang="zh-CN" altLang="en-US" smtClean="0"/>
-              <a:t>2022/3/5</a:t>
+              <a:t>2022/3/10</a:t>
             </a:fld>
             <a:endParaRPr lang="zh-CN" altLang="en-US"/>
           </a:p>
@@ -910,7 +910,7 @@
           <a:p>
             <a:fld id="{404F95DB-ED00-476B-9AEF-77AD202CE90D}" type="datetimeFigureOut">
               <a:rPr lang="zh-CN" altLang="en-US" smtClean="0"/>
-              <a:t>2022/3/5</a:t>
+              <a:t>2022/3/10</a:t>
             </a:fld>
             <a:endParaRPr lang="zh-CN" altLang="en-US"/>
           </a:p>
@@ -1118,7 +1118,7 @@
           <a:p>
             <a:fld id="{404F95DB-ED00-476B-9AEF-77AD202CE90D}" type="datetimeFigureOut">
               <a:rPr lang="zh-CN" altLang="en-US" smtClean="0"/>
-              <a:t>2022/3/5</a:t>
+              <a:t>2022/3/10</a:t>
             </a:fld>
             <a:endParaRPr lang="zh-CN" altLang="en-US"/>
           </a:p>
@@ -1316,7 +1316,7 @@
           <a:p>
             <a:fld id="{404F95DB-ED00-476B-9AEF-77AD202CE90D}" type="datetimeFigureOut">
               <a:rPr lang="zh-CN" altLang="en-US" smtClean="0"/>
-              <a:t>2022/3/5</a:t>
+              <a:t>2022/3/10</a:t>
             </a:fld>
             <a:endParaRPr lang="zh-CN" altLang="en-US"/>
           </a:p>
@@ -1591,7 +1591,7 @@
           <a:p>
             <a:fld id="{404F95DB-ED00-476B-9AEF-77AD202CE90D}" type="datetimeFigureOut">
               <a:rPr lang="zh-CN" altLang="en-US" smtClean="0"/>
-              <a:t>2022/3/5</a:t>
+              <a:t>2022/3/10</a:t>
             </a:fld>
             <a:endParaRPr lang="zh-CN" altLang="en-US"/>
           </a:p>
@@ -1856,7 +1856,7 @@
           <a:p>
             <a:fld id="{404F95DB-ED00-476B-9AEF-77AD202CE90D}" type="datetimeFigureOut">
               <a:rPr lang="zh-CN" altLang="en-US" smtClean="0"/>
-              <a:t>2022/3/5</a:t>
+              <a:t>2022/3/10</a:t>
             </a:fld>
             <a:endParaRPr lang="zh-CN" altLang="en-US"/>
           </a:p>
@@ -2268,7 +2268,7 @@
           <a:p>
             <a:fld id="{404F95DB-ED00-476B-9AEF-77AD202CE90D}" type="datetimeFigureOut">
               <a:rPr lang="zh-CN" altLang="en-US" smtClean="0"/>
-              <a:t>2022/3/5</a:t>
+              <a:t>2022/3/10</a:t>
             </a:fld>
             <a:endParaRPr lang="zh-CN" altLang="en-US"/>
           </a:p>
@@ -2409,7 +2409,7 @@
           <a:p>
             <a:fld id="{404F95DB-ED00-476B-9AEF-77AD202CE90D}" type="datetimeFigureOut">
               <a:rPr lang="zh-CN" altLang="en-US" smtClean="0"/>
-              <a:t>2022/3/5</a:t>
+              <a:t>2022/3/10</a:t>
             </a:fld>
             <a:endParaRPr lang="zh-CN" altLang="en-US"/>
           </a:p>
@@ -2522,7 +2522,7 @@
           <a:p>
             <a:fld id="{404F95DB-ED00-476B-9AEF-77AD202CE90D}" type="datetimeFigureOut">
               <a:rPr lang="zh-CN" altLang="en-US" smtClean="0"/>
-              <a:t>2022/3/5</a:t>
+              <a:t>2022/3/10</a:t>
             </a:fld>
             <a:endParaRPr lang="zh-CN" altLang="en-US"/>
           </a:p>
@@ -2833,7 +2833,7 @@
           <a:p>
             <a:fld id="{404F95DB-ED00-476B-9AEF-77AD202CE90D}" type="datetimeFigureOut">
               <a:rPr lang="zh-CN" altLang="en-US" smtClean="0"/>
-              <a:t>2022/3/5</a:t>
+              <a:t>2022/3/10</a:t>
             </a:fld>
             <a:endParaRPr lang="zh-CN" altLang="en-US"/>
           </a:p>
@@ -3121,7 +3121,7 @@
           <a:p>
             <a:fld id="{404F95DB-ED00-476B-9AEF-77AD202CE90D}" type="datetimeFigureOut">
               <a:rPr lang="zh-CN" altLang="en-US" smtClean="0"/>
-              <a:t>2022/3/5</a:t>
+              <a:t>2022/3/10</a:t>
             </a:fld>
             <a:endParaRPr lang="zh-CN" altLang="en-US"/>
           </a:p>
@@ -3362,7 +3362,7 @@
           <a:p>
             <a:fld id="{404F95DB-ED00-476B-9AEF-77AD202CE90D}" type="datetimeFigureOut">
               <a:rPr lang="zh-CN" altLang="en-US" smtClean="0"/>
-              <a:t>2022/3/5</a:t>
+              <a:t>2022/3/10</a:t>
             </a:fld>
             <a:endParaRPr lang="zh-CN" altLang="en-US"/>
           </a:p>
@@ -4457,40 +4457,34 @@
               <a:buChar char="•"/>
             </a:pPr>
             <a:r>
+              <a:rPr lang="en-US" altLang="zh-CN" sz="1200" b="1" dirty="0">
+                <a:solidFill>
+                  <a:srgbClr val="000000"/>
+                </a:solidFill>
+              </a:rPr>
+              <a:t>Fuel providers</a:t>
+            </a:r>
+          </a:p>
+          <a:p>
+            <a:pPr marL="171450" indent="-171450">
+              <a:buFont typeface="Arial"/>
+              <a:buChar char="•"/>
+            </a:pPr>
+            <a:r>
               <a:rPr lang="en-US" sz="1200" b="1" dirty="0">
                 <a:solidFill>
                   <a:srgbClr val="000000"/>
                 </a:solidFill>
               </a:rPr>
-              <a:t>natural resource based companies</a:t>
-            </a:r>
-          </a:p>
-          <a:p>
-            <a:pPr marL="171450" indent="-171450">
-              <a:buFont typeface="Arial"/>
-              <a:buChar char="•"/>
-            </a:pPr>
-            <a:r>
-              <a:rPr lang="en-US" sz="1200" b="1" dirty="0">
-                <a:solidFill>
-                  <a:srgbClr val="000000"/>
-                </a:solidFill>
-              </a:rPr>
-              <a:t>Retailers</a:t>
-            </a:r>
-          </a:p>
-          <a:p>
-            <a:pPr marL="171450" indent="-171450">
-              <a:buFont typeface="Arial"/>
-              <a:buChar char="•"/>
-            </a:pPr>
+              <a:t>Retailers and bulk </a:t>
+            </a:r>
             <a:r>
               <a:rPr lang="en-US" altLang="zh-CN" sz="1200" b="1" dirty="0">
                 <a:solidFill>
                   <a:srgbClr val="000000"/>
                 </a:solidFill>
               </a:rPr>
-              <a:t>Suppliers</a:t>
+              <a:t>Suppliers.</a:t>
             </a:r>
           </a:p>
           <a:p>
@@ -4518,21 +4512,22 @@
                   <a:srgbClr val="000000"/>
                 </a:solidFill>
               </a:rPr>
-              <a:t>Business and </a:t>
-            </a:r>
-            <a:r>
-              <a:rPr lang="en-US" altLang="zh-CN" sz="1200" b="1">
+              <a:t>Medical supplies</a:t>
+            </a:r>
+          </a:p>
+          <a:p>
+            <a:pPr marL="171450" indent="-171450">
+              <a:buFont typeface="Arial"/>
+              <a:buChar char="•"/>
+            </a:pPr>
+            <a:r>
+              <a:rPr lang="en-US" altLang="zh-CN" sz="1200" b="1" dirty="0">
                 <a:solidFill>
                   <a:srgbClr val="000000"/>
                 </a:solidFill>
               </a:rPr>
-              <a:t>general transport</a:t>
-            </a:r>
-            <a:endParaRPr lang="en-US" altLang="zh-CN" sz="1200" b="1" dirty="0">
-              <a:solidFill>
-                <a:srgbClr val="000000"/>
-              </a:solidFill>
-            </a:endParaRPr>
+              <a:t>Auto service provider</a:t>
+            </a:r>
           </a:p>
           <a:p>
             <a:pPr marL="171450" indent="-171450">
